--- a/docs/presentation.pptx
+++ b/docs/presentation.pptx
@@ -148,7 +148,7 @@
       </p:grpSpPr>
       <p:sp>
         <p:nvSpPr>
-          <p:cNvPr id="1566738293" name="Header Placeholder 1"/>
+          <p:cNvPr id="300425064" name="Header Placeholder 1"/>
           <p:cNvSpPr>
             <a:spLocks noGrp="1"/>
           </p:cNvSpPr>
@@ -182,7 +182,7 @@
       </p:sp>
       <p:sp>
         <p:nvSpPr>
-          <p:cNvPr id="1750076780" name="Date Placeholder 2"/>
+          <p:cNvPr id="256252171" name="Date Placeholder 2"/>
           <p:cNvSpPr>
             <a:spLocks noGrp="1"/>
           </p:cNvSpPr>
@@ -220,7 +220,7 @@
       </p:sp>
       <p:sp>
         <p:nvSpPr>
-          <p:cNvPr id="1546296977" name="Slide Image Placeholder 3"/>
+          <p:cNvPr id="1591088624" name="Slide Image Placeholder 3"/>
           <p:cNvSpPr>
             <a:spLocks noChangeAspect="1" noGrp="1" noRot="1"/>
           </p:cNvSpPr>
@@ -256,7 +256,7 @@
       </p:sp>
       <p:sp>
         <p:nvSpPr>
-          <p:cNvPr id="1320596134" name="Notes Placeholder 4"/>
+          <p:cNvPr id="813507202" name="Notes Placeholder 4"/>
           <p:cNvSpPr>
             <a:spLocks noGrp="1"/>
           </p:cNvSpPr>
@@ -330,7 +330,7 @@
       </p:sp>
       <p:sp>
         <p:nvSpPr>
-          <p:cNvPr id="1113675393" name="Footer Placeholder 5"/>
+          <p:cNvPr id="1088431987" name="Footer Placeholder 5"/>
           <p:cNvSpPr>
             <a:spLocks noGrp="1"/>
           </p:cNvSpPr>
@@ -364,7 +364,7 @@
       </p:sp>
       <p:sp>
         <p:nvSpPr>
-          <p:cNvPr id="784492069" name="Slide Number Placeholder 6"/>
+          <p:cNvPr id="2010249430" name="Slide Number Placeholder 6"/>
           <p:cNvSpPr>
             <a:spLocks noGrp="1"/>
           </p:cNvSpPr>
@@ -517,7 +517,7 @@
       </p:grpSpPr>
       <p:sp>
         <p:nvSpPr>
-          <p:cNvPr id="168030113" name="Slide Image Placeholder 1"/>
+          <p:cNvPr id="411304680" name="Slide Image Placeholder 1"/>
           <p:cNvSpPr>
             <a:spLocks noChangeAspect="1" noGrp="1" noRot="1"/>
           </p:cNvSpPr>
@@ -534,7 +534,7 @@
       </p:sp>
       <p:sp>
         <p:nvSpPr>
-          <p:cNvPr id="870711804" name="Notes Placeholder 2"/>
+          <p:cNvPr id="1659905595" name="Notes Placeholder 2"/>
           <p:cNvSpPr>
             <a:spLocks noGrp="1"/>
           </p:cNvSpPr>
@@ -559,7 +559,7 @@
       </p:sp>
       <p:sp>
         <p:nvSpPr>
-          <p:cNvPr id="225522155" name="Slide Number Placeholder 3"/>
+          <p:cNvPr id="442209931" name="Slide Number Placeholder 3"/>
           <p:cNvSpPr>
             <a:spLocks noGrp="1"/>
           </p:cNvSpPr>
@@ -1120,7 +1120,7 @@
       </p:grpSpPr>
       <p:sp>
         <p:nvSpPr>
-          <p:cNvPr id="1450107854" name="Slide Image Placeholder 1"/>
+          <p:cNvPr id="902794736" name="Slide Image Placeholder 1"/>
           <p:cNvSpPr>
             <a:spLocks noChangeAspect="1" noGrp="1" noRot="1"/>
           </p:cNvSpPr>
@@ -1132,7 +1132,7 @@
       </p:sp>
       <p:sp>
         <p:nvSpPr>
-          <p:cNvPr id="1763167137" name="Notes Placeholder 2"/>
+          <p:cNvPr id="1565926314" name="Notes Placeholder 2"/>
           <p:cNvSpPr>
             <a:spLocks noGrp="1"/>
           </p:cNvSpPr>
@@ -1154,7 +1154,7 @@
       </p:sp>
       <p:sp>
         <p:nvSpPr>
-          <p:cNvPr id="2079861531" name="Slide Number Placeholder 3"/>
+          <p:cNvPr id="31442341" name="Slide Number Placeholder 3"/>
           <p:cNvSpPr>
             <a:spLocks noGrp="1"/>
           </p:cNvSpPr>
@@ -1205,7 +1205,7 @@
       </p:grpSpPr>
       <p:sp>
         <p:nvSpPr>
-          <p:cNvPr id="127197080" name="Slide Image Placeholder 1"/>
+          <p:cNvPr id="297867807" name="Slide Image Placeholder 1"/>
           <p:cNvSpPr>
             <a:spLocks noChangeAspect="1" noGrp="1" noRot="1"/>
           </p:cNvSpPr>
@@ -1217,7 +1217,7 @@
       </p:sp>
       <p:sp>
         <p:nvSpPr>
-          <p:cNvPr id="1018053270" name="Notes Placeholder 2"/>
+          <p:cNvPr id="1119667368" name="Notes Placeholder 2"/>
           <p:cNvSpPr>
             <a:spLocks noGrp="1"/>
           </p:cNvSpPr>
@@ -1239,7 +1239,7 @@
       </p:sp>
       <p:sp>
         <p:nvSpPr>
-          <p:cNvPr id="387545866" name="Slide Number Placeholder 3"/>
+          <p:cNvPr id="1896122692" name="Slide Number Placeholder 3"/>
           <p:cNvSpPr>
             <a:spLocks noGrp="1"/>
           </p:cNvSpPr>
@@ -1800,7 +1800,7 @@
       </p:grpSpPr>
       <p:sp>
         <p:nvSpPr>
-          <p:cNvPr id="451798144" name="Title 1"/>
+          <p:cNvPr id="1614225814" name="Title 1"/>
           <p:cNvSpPr>
             <a:spLocks noGrp="1"/>
           </p:cNvSpPr>
@@ -1835,7 +1835,7 @@
       </p:sp>
       <p:sp>
         <p:nvSpPr>
-          <p:cNvPr id="242260713" name="Subtitle 2"/>
+          <p:cNvPr id="18579335" name="Subtitle 2"/>
           <p:cNvSpPr>
             <a:spLocks noGrp="1"/>
           </p:cNvSpPr>
@@ -1903,7 +1903,7 @@
       </p:sp>
       <p:sp>
         <p:nvSpPr>
-          <p:cNvPr id="402813986" name="Date Placeholder 3"/>
+          <p:cNvPr id="773606003" name="Date Placeholder 3"/>
           <p:cNvSpPr>
             <a:spLocks noGrp="1"/>
           </p:cNvSpPr>
@@ -1929,7 +1929,7 @@
       </p:sp>
       <p:sp>
         <p:nvSpPr>
-          <p:cNvPr id="190260102" name="Footer Placeholder 4"/>
+          <p:cNvPr id="1863121827" name="Footer Placeholder 4"/>
           <p:cNvSpPr>
             <a:spLocks noGrp="1"/>
           </p:cNvSpPr>
@@ -1951,7 +1951,7 @@
       </p:sp>
       <p:sp>
         <p:nvSpPr>
-          <p:cNvPr id="1753019877" name="Slide Number Placeholder 5"/>
+          <p:cNvPr id="55457831" name="Slide Number Placeholder 5"/>
           <p:cNvSpPr>
             <a:spLocks noGrp="1"/>
           </p:cNvSpPr>
@@ -2002,7 +2002,7 @@
       </p:grpSpPr>
       <p:sp>
         <p:nvSpPr>
-          <p:cNvPr id="1495051474" name="Title 1"/>
+          <p:cNvPr id="2838703" name="Title 1"/>
           <p:cNvSpPr>
             <a:spLocks noGrp="1"/>
           </p:cNvSpPr>
@@ -2028,7 +2028,7 @@
       </p:sp>
       <p:sp>
         <p:nvSpPr>
-          <p:cNvPr id="736506104" name="Vertical Text Placeholder 2"/>
+          <p:cNvPr id="2037125514" name="Vertical Text Placeholder 2"/>
           <p:cNvSpPr>
             <a:spLocks noGrp="1"/>
           </p:cNvSpPr>
@@ -2094,7 +2094,7 @@
       </p:sp>
       <p:sp>
         <p:nvSpPr>
-          <p:cNvPr id="844118849" name="Date Placeholder 3"/>
+          <p:cNvPr id="329469133" name="Date Placeholder 3"/>
           <p:cNvSpPr>
             <a:spLocks noGrp="1"/>
           </p:cNvSpPr>
@@ -2120,7 +2120,7 @@
       </p:sp>
       <p:sp>
         <p:nvSpPr>
-          <p:cNvPr id="618083873" name="Footer Placeholder 4"/>
+          <p:cNvPr id="529375409" name="Footer Placeholder 4"/>
           <p:cNvSpPr>
             <a:spLocks noGrp="1"/>
           </p:cNvSpPr>
@@ -2142,7 +2142,7 @@
       </p:sp>
       <p:sp>
         <p:nvSpPr>
-          <p:cNvPr id="1396777940" name="Slide Number Placeholder 5"/>
+          <p:cNvPr id="2138272386" name="Slide Number Placeholder 5"/>
           <p:cNvSpPr>
             <a:spLocks noGrp="1"/>
           </p:cNvSpPr>
@@ -2193,7 +2193,7 @@
       </p:grpSpPr>
       <p:sp>
         <p:nvSpPr>
-          <p:cNvPr id="64332865" name="Vertical Title 1"/>
+          <p:cNvPr id="1752397081" name="Vertical Title 1"/>
           <p:cNvSpPr>
             <a:spLocks noGrp="1"/>
           </p:cNvSpPr>
@@ -2224,7 +2224,7 @@
       </p:sp>
       <p:sp>
         <p:nvSpPr>
-          <p:cNvPr id="1018870274" name="Vertical Text Placeholder 2"/>
+          <p:cNvPr id="1717187577" name="Vertical Text Placeholder 2"/>
           <p:cNvSpPr>
             <a:spLocks noGrp="1"/>
           </p:cNvSpPr>
@@ -2295,7 +2295,7 @@
       </p:sp>
       <p:sp>
         <p:nvSpPr>
-          <p:cNvPr id="811276525" name="Date Placeholder 3"/>
+          <p:cNvPr id="778816630" name="Date Placeholder 3"/>
           <p:cNvSpPr>
             <a:spLocks noGrp="1"/>
           </p:cNvSpPr>
@@ -2321,7 +2321,7 @@
       </p:sp>
       <p:sp>
         <p:nvSpPr>
-          <p:cNvPr id="371024908" name="Footer Placeholder 4"/>
+          <p:cNvPr id="377660784" name="Footer Placeholder 4"/>
           <p:cNvSpPr>
             <a:spLocks noGrp="1"/>
           </p:cNvSpPr>
@@ -2343,7 +2343,7 @@
       </p:sp>
       <p:sp>
         <p:nvSpPr>
-          <p:cNvPr id="392420622" name="Slide Number Placeholder 5"/>
+          <p:cNvPr id="1364447208" name="Slide Number Placeholder 5"/>
           <p:cNvSpPr>
             <a:spLocks noGrp="1"/>
           </p:cNvSpPr>
@@ -2394,7 +2394,7 @@
       </p:grpSpPr>
       <p:sp>
         <p:nvSpPr>
-          <p:cNvPr id="1919996269" name="Title 1"/>
+          <p:cNvPr id="1921848554" name="Title 1"/>
           <p:cNvSpPr>
             <a:spLocks noGrp="1"/>
           </p:cNvSpPr>
@@ -2420,7 +2420,7 @@
       </p:sp>
       <p:sp>
         <p:nvSpPr>
-          <p:cNvPr id="1238321627" name="Content Placeholder 2"/>
+          <p:cNvPr id="1417420344" name="Content Placeholder 2"/>
           <p:cNvSpPr>
             <a:spLocks noGrp="1"/>
           </p:cNvSpPr>
@@ -2486,7 +2486,7 @@
       </p:sp>
       <p:sp>
         <p:nvSpPr>
-          <p:cNvPr id="1590037758" name="Date Placeholder 3"/>
+          <p:cNvPr id="126064996" name="Date Placeholder 3"/>
           <p:cNvSpPr>
             <a:spLocks noGrp="1"/>
           </p:cNvSpPr>
@@ -2512,7 +2512,7 @@
       </p:sp>
       <p:sp>
         <p:nvSpPr>
-          <p:cNvPr id="1157826606" name="Footer Placeholder 4"/>
+          <p:cNvPr id="393376205" name="Footer Placeholder 4"/>
           <p:cNvSpPr>
             <a:spLocks noGrp="1"/>
           </p:cNvSpPr>
@@ -2534,7 +2534,7 @@
       </p:sp>
       <p:sp>
         <p:nvSpPr>
-          <p:cNvPr id="704223138" name="Slide Number Placeholder 5"/>
+          <p:cNvPr id="1075133100" name="Slide Number Placeholder 5"/>
           <p:cNvSpPr>
             <a:spLocks noGrp="1"/>
           </p:cNvSpPr>
@@ -2585,7 +2585,7 @@
       </p:grpSpPr>
       <p:sp>
         <p:nvSpPr>
-          <p:cNvPr id="488727793" name="Title 1"/>
+          <p:cNvPr id="1262440193" name="Title 1"/>
           <p:cNvSpPr>
             <a:spLocks noGrp="1"/>
           </p:cNvSpPr>
@@ -2620,7 +2620,7 @@
       </p:sp>
       <p:sp>
         <p:nvSpPr>
-          <p:cNvPr id="1056124751" name="Text Placeholder 2"/>
+          <p:cNvPr id="1515288535" name="Text Placeholder 2"/>
           <p:cNvSpPr>
             <a:spLocks noGrp="1"/>
           </p:cNvSpPr>
@@ -2742,7 +2742,7 @@
       </p:sp>
       <p:sp>
         <p:nvSpPr>
-          <p:cNvPr id="1774138737" name="Date Placeholder 3"/>
+          <p:cNvPr id="1560597657" name="Date Placeholder 3"/>
           <p:cNvSpPr>
             <a:spLocks noGrp="1"/>
           </p:cNvSpPr>
@@ -2768,7 +2768,7 @@
       </p:sp>
       <p:sp>
         <p:nvSpPr>
-          <p:cNvPr id="835055766" name="Footer Placeholder 4"/>
+          <p:cNvPr id="160766771" name="Footer Placeholder 4"/>
           <p:cNvSpPr>
             <a:spLocks noGrp="1"/>
           </p:cNvSpPr>
@@ -2790,7 +2790,7 @@
       </p:sp>
       <p:sp>
         <p:nvSpPr>
-          <p:cNvPr id="516497801" name="Slide Number Placeholder 5"/>
+          <p:cNvPr id="1218543916" name="Slide Number Placeholder 5"/>
           <p:cNvSpPr>
             <a:spLocks noGrp="1"/>
           </p:cNvSpPr>
@@ -2841,7 +2841,7 @@
       </p:grpSpPr>
       <p:sp>
         <p:nvSpPr>
-          <p:cNvPr id="898674091" name="Title 1"/>
+          <p:cNvPr id="322926451" name="Title 1"/>
           <p:cNvSpPr>
             <a:spLocks noGrp="1"/>
           </p:cNvSpPr>
@@ -2867,7 +2867,7 @@
       </p:sp>
       <p:sp>
         <p:nvSpPr>
-          <p:cNvPr id="2119000382" name="Content Placeholder 2"/>
+          <p:cNvPr id="1129293949" name="Content Placeholder 2"/>
           <p:cNvSpPr>
             <a:spLocks noGrp="1"/>
           </p:cNvSpPr>
@@ -2938,7 +2938,7 @@
       </p:sp>
       <p:sp>
         <p:nvSpPr>
-          <p:cNvPr id="248024594" name="Content Placeholder 3"/>
+          <p:cNvPr id="691719776" name="Content Placeholder 3"/>
           <p:cNvSpPr>
             <a:spLocks noGrp="1"/>
           </p:cNvSpPr>
@@ -3009,7 +3009,7 @@
       </p:sp>
       <p:sp>
         <p:nvSpPr>
-          <p:cNvPr id="2127343900" name="Date Placeholder 4"/>
+          <p:cNvPr id="877320889" name="Date Placeholder 4"/>
           <p:cNvSpPr>
             <a:spLocks noGrp="1"/>
           </p:cNvSpPr>
@@ -3035,7 +3035,7 @@
       </p:sp>
       <p:sp>
         <p:nvSpPr>
-          <p:cNvPr id="1921107740" name="Footer Placeholder 5"/>
+          <p:cNvPr id="993773448" name="Footer Placeholder 5"/>
           <p:cNvSpPr>
             <a:spLocks noGrp="1"/>
           </p:cNvSpPr>
@@ -3057,7 +3057,7 @@
       </p:sp>
       <p:sp>
         <p:nvSpPr>
-          <p:cNvPr id="708397178" name="Slide Number Placeholder 6"/>
+          <p:cNvPr id="933438102" name="Slide Number Placeholder 6"/>
           <p:cNvSpPr>
             <a:spLocks noGrp="1"/>
           </p:cNvSpPr>
@@ -3108,7 +3108,7 @@
       </p:grpSpPr>
       <p:sp>
         <p:nvSpPr>
-          <p:cNvPr id="1063003593" name="Title 1"/>
+          <p:cNvPr id="1415980103" name="Title 1"/>
           <p:cNvSpPr>
             <a:spLocks noGrp="1"/>
           </p:cNvSpPr>
@@ -3139,7 +3139,7 @@
       </p:sp>
       <p:sp>
         <p:nvSpPr>
-          <p:cNvPr id="1177359056" name="Text Placeholder 2"/>
+          <p:cNvPr id="761984546" name="Text Placeholder 2"/>
           <p:cNvSpPr>
             <a:spLocks noGrp="1"/>
           </p:cNvSpPr>
@@ -3207,7 +3207,7 @@
       </p:sp>
       <p:sp>
         <p:nvSpPr>
-          <p:cNvPr id="1172612629" name="Content Placeholder 3"/>
+          <p:cNvPr id="203875298" name="Content Placeholder 3"/>
           <p:cNvSpPr>
             <a:spLocks noGrp="1"/>
           </p:cNvSpPr>
@@ -3278,7 +3278,7 @@
       </p:sp>
       <p:sp>
         <p:nvSpPr>
-          <p:cNvPr id="202375736" name="Text Placeholder 4"/>
+          <p:cNvPr id="2053632257" name="Text Placeholder 4"/>
           <p:cNvSpPr>
             <a:spLocks noGrp="1"/>
           </p:cNvSpPr>
@@ -3346,7 +3346,7 @@
       </p:sp>
       <p:sp>
         <p:nvSpPr>
-          <p:cNvPr id="1379229432" name="Content Placeholder 5"/>
+          <p:cNvPr id="1340124644" name="Content Placeholder 5"/>
           <p:cNvSpPr>
             <a:spLocks noGrp="1"/>
           </p:cNvSpPr>
@@ -3417,7 +3417,7 @@
       </p:sp>
       <p:sp>
         <p:nvSpPr>
-          <p:cNvPr id="615979187" name="Date Placeholder 6"/>
+          <p:cNvPr id="1887323342" name="Date Placeholder 6"/>
           <p:cNvSpPr>
             <a:spLocks noGrp="1"/>
           </p:cNvSpPr>
@@ -3443,7 +3443,7 @@
       </p:sp>
       <p:sp>
         <p:nvSpPr>
-          <p:cNvPr id="175485695" name="Footer Placeholder 7"/>
+          <p:cNvPr id="527924666" name="Footer Placeholder 7"/>
           <p:cNvSpPr>
             <a:spLocks noGrp="1"/>
           </p:cNvSpPr>
@@ -3465,7 +3465,7 @@
       </p:sp>
       <p:sp>
         <p:nvSpPr>
-          <p:cNvPr id="318037584" name="Slide Number Placeholder 8"/>
+          <p:cNvPr id="1275978030" name="Slide Number Placeholder 8"/>
           <p:cNvSpPr>
             <a:spLocks noGrp="1"/>
           </p:cNvSpPr>
@@ -3516,7 +3516,7 @@
       </p:grpSpPr>
       <p:sp>
         <p:nvSpPr>
-          <p:cNvPr id="1156990938" name="Title 1"/>
+          <p:cNvPr id="1701668690" name="Title 1"/>
           <p:cNvSpPr>
             <a:spLocks noGrp="1"/>
           </p:cNvSpPr>
@@ -3542,7 +3542,7 @@
       </p:sp>
       <p:sp>
         <p:nvSpPr>
-          <p:cNvPr id="210968900" name="Date Placeholder 2"/>
+          <p:cNvPr id="1371251386" name="Date Placeholder 2"/>
           <p:cNvSpPr>
             <a:spLocks noGrp="1"/>
           </p:cNvSpPr>
@@ -3568,7 +3568,7 @@
       </p:sp>
       <p:sp>
         <p:nvSpPr>
-          <p:cNvPr id="976027005" name="Footer Placeholder 3"/>
+          <p:cNvPr id="1343907040" name="Footer Placeholder 3"/>
           <p:cNvSpPr>
             <a:spLocks noGrp="1"/>
           </p:cNvSpPr>
@@ -3590,7 +3590,7 @@
       </p:sp>
       <p:sp>
         <p:nvSpPr>
-          <p:cNvPr id="2071117859" name="Slide Number Placeholder 4"/>
+          <p:cNvPr id="2092110707" name="Slide Number Placeholder 4"/>
           <p:cNvSpPr>
             <a:spLocks noGrp="1"/>
           </p:cNvSpPr>
@@ -3641,7 +3641,7 @@
       </p:grpSpPr>
       <p:sp>
         <p:nvSpPr>
-          <p:cNvPr id="58043931" name="Date Placeholder 1"/>
+          <p:cNvPr id="1837003281" name="Date Placeholder 1"/>
           <p:cNvSpPr>
             <a:spLocks noGrp="1"/>
           </p:cNvSpPr>
@@ -3667,7 +3667,7 @@
       </p:sp>
       <p:sp>
         <p:nvSpPr>
-          <p:cNvPr id="442168939" name="Footer Placeholder 2"/>
+          <p:cNvPr id="1217856903" name="Footer Placeholder 2"/>
           <p:cNvSpPr>
             <a:spLocks noGrp="1"/>
           </p:cNvSpPr>
@@ -3689,7 +3689,7 @@
       </p:sp>
       <p:sp>
         <p:nvSpPr>
-          <p:cNvPr id="761493535" name="Slide Number Placeholder 3"/>
+          <p:cNvPr id="1785762040" name="Slide Number Placeholder 3"/>
           <p:cNvSpPr>
             <a:spLocks noGrp="1"/>
           </p:cNvSpPr>
@@ -3740,7 +3740,7 @@
       </p:grpSpPr>
       <p:sp>
         <p:nvSpPr>
-          <p:cNvPr id="1082031644" name="Title 1"/>
+          <p:cNvPr id="1929703363" name="Title 1"/>
           <p:cNvSpPr>
             <a:spLocks noGrp="1"/>
           </p:cNvSpPr>
@@ -3775,7 +3775,7 @@
       </p:sp>
       <p:sp>
         <p:nvSpPr>
-          <p:cNvPr id="1459584099" name="Content Placeholder 2"/>
+          <p:cNvPr id="10463945" name="Content Placeholder 2"/>
           <p:cNvSpPr>
             <a:spLocks noGrp="1"/>
           </p:cNvSpPr>
@@ -3874,7 +3874,7 @@
       </p:sp>
       <p:sp>
         <p:nvSpPr>
-          <p:cNvPr id="1243535075" name="Text Placeholder 3"/>
+          <p:cNvPr id="2050992860" name="Text Placeholder 3"/>
           <p:cNvSpPr>
             <a:spLocks noGrp="1"/>
           </p:cNvSpPr>
@@ -3942,7 +3942,7 @@
       </p:sp>
       <p:sp>
         <p:nvSpPr>
-          <p:cNvPr id="955582528" name="Date Placeholder 4"/>
+          <p:cNvPr id="271163201" name="Date Placeholder 4"/>
           <p:cNvSpPr>
             <a:spLocks noGrp="1"/>
           </p:cNvSpPr>
@@ -3968,7 +3968,7 @@
       </p:sp>
       <p:sp>
         <p:nvSpPr>
-          <p:cNvPr id="906841477" name="Footer Placeholder 5"/>
+          <p:cNvPr id="1604503640" name="Footer Placeholder 5"/>
           <p:cNvSpPr>
             <a:spLocks noGrp="1"/>
           </p:cNvSpPr>
@@ -3990,7 +3990,7 @@
       </p:sp>
       <p:sp>
         <p:nvSpPr>
-          <p:cNvPr id="1391101716" name="Slide Number Placeholder 6"/>
+          <p:cNvPr id="829146740" name="Slide Number Placeholder 6"/>
           <p:cNvSpPr>
             <a:spLocks noGrp="1"/>
           </p:cNvSpPr>
@@ -4041,7 +4041,7 @@
       </p:grpSpPr>
       <p:sp>
         <p:nvSpPr>
-          <p:cNvPr id="153480133" name="Title 1"/>
+          <p:cNvPr id="1001167981" name="Title 1"/>
           <p:cNvSpPr>
             <a:spLocks noGrp="1"/>
           </p:cNvSpPr>
@@ -4076,7 +4076,7 @@
       </p:sp>
       <p:sp>
         <p:nvSpPr>
-          <p:cNvPr id="1849590392" name="Picture Placeholder 2"/>
+          <p:cNvPr id="2034781235" name="Picture Placeholder 2"/>
           <p:cNvSpPr>
             <a:spLocks noChangeAspect="1" noGrp="1"/>
           </p:cNvSpPr>
@@ -4144,7 +4144,7 @@
       </p:sp>
       <p:sp>
         <p:nvSpPr>
-          <p:cNvPr id="434322445" name="Text Placeholder 3"/>
+          <p:cNvPr id="2137157458" name="Text Placeholder 3"/>
           <p:cNvSpPr>
             <a:spLocks noGrp="1"/>
           </p:cNvSpPr>
@@ -4212,7 +4212,7 @@
       </p:sp>
       <p:sp>
         <p:nvSpPr>
-          <p:cNvPr id="891895579" name="Date Placeholder 4"/>
+          <p:cNvPr id="1325717153" name="Date Placeholder 4"/>
           <p:cNvSpPr>
             <a:spLocks noGrp="1"/>
           </p:cNvSpPr>
@@ -4238,7 +4238,7 @@
       </p:sp>
       <p:sp>
         <p:nvSpPr>
-          <p:cNvPr id="2135867594" name="Footer Placeholder 5"/>
+          <p:cNvPr id="995855982" name="Footer Placeholder 5"/>
           <p:cNvSpPr>
             <a:spLocks noGrp="1"/>
           </p:cNvSpPr>
@@ -4260,7 +4260,7 @@
       </p:sp>
       <p:sp>
         <p:nvSpPr>
-          <p:cNvPr id="474239597" name="Slide Number Placeholder 6"/>
+          <p:cNvPr id="1475160873" name="Slide Number Placeholder 6"/>
           <p:cNvSpPr>
             <a:spLocks noGrp="1"/>
           </p:cNvSpPr>
@@ -4297,13 +4297,16 @@
   <p:cSld name="">
     <p:bg>
       <p:bgPr shadeToTitle="0">
-        <a:pattFill prst="pct80">
+        <a:pattFill prst="pct90">
           <a:fgClr>
-            <a:schemeClr val="bg1"/>
+            <a:schemeClr val="bg1">
+              <a:alpha val="30000"/>
+            </a:schemeClr>
           </a:fgClr>
           <a:bgClr>
             <a:schemeClr val="tx2">
               <a:lumMod val="50000"/>
+              <a:alpha val="30000"/>
             </a:schemeClr>
           </a:bgClr>
         </a:pattFill>
@@ -4325,7 +4328,7 @@
       </p:grpSpPr>
       <p:sp>
         <p:nvSpPr>
-          <p:cNvPr id="1264842272" name="Title Placeholder 1"/>
+          <p:cNvPr id="1203046060" name="Title Placeholder 1"/>
           <p:cNvSpPr>
             <a:spLocks noGrp="1"/>
           </p:cNvSpPr>
@@ -4361,7 +4364,7 @@
       </p:sp>
       <p:sp>
         <p:nvSpPr>
-          <p:cNvPr id="1188401168" name="Text Placeholder 2"/>
+          <p:cNvPr id="1995769970" name="Text Placeholder 2"/>
           <p:cNvSpPr>
             <a:spLocks noGrp="1"/>
           </p:cNvSpPr>
@@ -4437,7 +4440,7 @@
       </p:sp>
       <p:sp>
         <p:nvSpPr>
-          <p:cNvPr id="287458260" name="Date Placeholder 3"/>
+          <p:cNvPr id="1279820422" name="Date Placeholder 3"/>
           <p:cNvSpPr>
             <a:spLocks noGrp="1"/>
           </p:cNvSpPr>
@@ -4481,7 +4484,7 @@
       </p:sp>
       <p:sp>
         <p:nvSpPr>
-          <p:cNvPr id="1114285465" name="Footer Placeholder 4"/>
+          <p:cNvPr id="88991479" name="Footer Placeholder 4"/>
           <p:cNvSpPr>
             <a:spLocks noGrp="1"/>
           </p:cNvSpPr>
@@ -4521,7 +4524,7 @@
       </p:sp>
       <p:sp>
         <p:nvSpPr>
-          <p:cNvPr id="875751571" name="Slide Number Placeholder 5"/>
+          <p:cNvPr id="877347163" name="Slide Number Placeholder 5"/>
           <p:cNvSpPr>
             <a:spLocks noGrp="1"/>
           </p:cNvSpPr>
@@ -4881,7 +4884,7 @@
       </p:grpSpPr>
       <p:sp>
         <p:nvSpPr>
-          <p:cNvPr id="1362187764" name="Title 1"/>
+          <p:cNvPr id="1191492791" name="Title 1"/>
           <p:cNvSpPr>
             <a:spLocks noGrp="1"/>
           </p:cNvSpPr>
@@ -4914,7 +4917,7 @@
       </p:sp>
       <p:sp>
         <p:nvSpPr>
-          <p:cNvPr id="429423621" name="Subtitle 2"/>
+          <p:cNvPr id="1414088293" name="Subtitle 2"/>
           <p:cNvSpPr>
             <a:spLocks noGrp="1"/>
           </p:cNvSpPr>
@@ -4950,7 +4953,7 @@
       </p:sp>
       <p:sp>
         <p:nvSpPr>
-          <p:cNvPr id="2101836041" name=""/>
+          <p:cNvPr id="91813871" name=""/>
           <p:cNvSpPr txBox="1"/>
           <p:nvPr/>
         </p:nvSpPr>
@@ -5978,7 +5981,7 @@
       </p:grpSpPr>
       <p:sp>
         <p:nvSpPr>
-          <p:cNvPr id="1970141304" name="Title 1"/>
+          <p:cNvPr id="1793283380" name="Title 1"/>
           <p:cNvSpPr>
             <a:spLocks noGrp="1"/>
           </p:cNvSpPr>
@@ -6014,7 +6017,7 @@
       </p:sp>
       <p:sp>
         <p:nvSpPr>
-          <p:cNvPr id="165740984" name="Content Placeholder 2"/>
+          <p:cNvPr id="944563252" name="Content Placeholder 2"/>
           <p:cNvSpPr>
             <a:spLocks noGrp="1"/>
           </p:cNvSpPr>
@@ -6077,7 +6080,7 @@
       </p:sp>
       <p:sp>
         <p:nvSpPr>
-          <p:cNvPr id="1798088514" name="Title 1"/>
+          <p:cNvPr id="1982592558" name="Title 1"/>
           <p:cNvSpPr>
             <a:spLocks noGrp="1"/>
           </p:cNvSpPr>
@@ -6136,7 +6139,7 @@
       </p:sp>
       <p:sp>
         <p:nvSpPr>
-          <p:cNvPr id="1182316000" name="Content Placeholder 2"/>
+          <p:cNvPr id="1021805056" name="Content Placeholder 2"/>
           <p:cNvSpPr>
             <a:spLocks noGrp="1"/>
           </p:cNvSpPr>
@@ -6539,7 +6542,7 @@
       </p:grpSpPr>
       <p:sp>
         <p:nvSpPr>
-          <p:cNvPr id="634734191" name="Title 1"/>
+          <p:cNvPr id="1904601242" name="Title 1"/>
           <p:cNvSpPr>
             <a:spLocks noGrp="1"/>
           </p:cNvSpPr>
@@ -6577,7 +6580,7 @@
       </p:sp>
       <p:sp>
         <p:nvSpPr>
-          <p:cNvPr id="155317539" name="Text Placeholder 2"/>
+          <p:cNvPr id="1502012988" name="Text Placeholder 2"/>
           <p:cNvSpPr>
             <a:spLocks noGrp="1"/>
           </p:cNvSpPr>
@@ -6663,7 +6666,7 @@
       </p:sp>
       <p:sp>
         <p:nvSpPr>
-          <p:cNvPr id="535192831" name="Content Placeholder 3"/>
+          <p:cNvPr id="1681253554" name="Content Placeholder 3"/>
           <p:cNvSpPr>
             <a:spLocks noGrp="1"/>
           </p:cNvSpPr>
@@ -6721,7 +6724,7 @@
       </p:sp>
       <p:sp>
         <p:nvSpPr>
-          <p:cNvPr id="1667202079" name="Text Placeholder 2"/>
+          <p:cNvPr id="1494630100" name="Text Placeholder 2"/>
           <p:cNvSpPr>
             <a:spLocks noGrp="1"/>
           </p:cNvSpPr>
@@ -6933,7 +6936,7 @@
       </p:sp>
       <p:sp>
         <p:nvSpPr>
-          <p:cNvPr id="931478040" name="Content Placeholder 3"/>
+          <p:cNvPr id="81690963" name="Content Placeholder 3"/>
           <p:cNvSpPr>
             <a:spLocks noGrp="1"/>
           </p:cNvSpPr>
@@ -7172,7 +7175,7 @@
       </p:sp>
       <p:sp>
         <p:nvSpPr>
-          <p:cNvPr id="155841075" name="Content Placeholder 3"/>
+          <p:cNvPr id="1105532184" name="Content Placeholder 3"/>
           <p:cNvSpPr>
             <a:spLocks noGrp="1"/>
           </p:cNvSpPr>
@@ -7392,7 +7395,7 @@
       </p:sp>
       <p:sp>
         <p:nvSpPr>
-          <p:cNvPr id="1198922688" name="Content Placeholder 3"/>
+          <p:cNvPr id="916503829" name="Content Placeholder 3"/>
           <p:cNvSpPr>
             <a:spLocks noGrp="1"/>
           </p:cNvSpPr>
@@ -7609,7 +7612,7 @@
       </p:sp>
       <p:sp>
         <p:nvSpPr>
-          <p:cNvPr id="688560977" name="Content Placeholder 3"/>
+          <p:cNvPr id="1682317623" name="Content Placeholder 3"/>
           <p:cNvSpPr>
             <a:spLocks noGrp="1"/>
           </p:cNvSpPr>
@@ -7833,7 +7836,7 @@
       </p:sp>
       <p:sp>
         <p:nvSpPr>
-          <p:cNvPr id="267374025" name="Content Placeholder 3"/>
+          <p:cNvPr id="442283641" name="Content Placeholder 3"/>
           <p:cNvSpPr>
             <a:spLocks noGrp="1"/>
           </p:cNvSpPr>
@@ -8057,7 +8060,7 @@
       </p:sp>
       <p:sp>
         <p:nvSpPr>
-          <p:cNvPr id="1187633711" name="Text Placeholder 2"/>
+          <p:cNvPr id="2138220717" name="Text Placeholder 2"/>
           <p:cNvSpPr>
             <a:spLocks noGrp="1"/>
           </p:cNvSpPr>
@@ -8269,7 +8272,7 @@
       </p:sp>
       <p:sp>
         <p:nvSpPr>
-          <p:cNvPr id="596335280" name="Content Placeholder 3"/>
+          <p:cNvPr id="1340358487" name="Content Placeholder 3"/>
           <p:cNvSpPr>
             <a:spLocks noGrp="1"/>
           </p:cNvSpPr>
@@ -8490,7 +8493,7 @@
       </p:sp>
       <p:sp>
         <p:nvSpPr>
-          <p:cNvPr id="309259742" name="Content Placeholder 3"/>
+          <p:cNvPr id="172164549" name="Content Placeholder 3"/>
           <p:cNvSpPr>
             <a:spLocks noGrp="1"/>
           </p:cNvSpPr>
@@ -8718,7 +8721,7 @@
       </p:sp>
       <p:sp>
         <p:nvSpPr>
-          <p:cNvPr id="521568311" name="Content Placeholder 3"/>
+          <p:cNvPr id="1046240188" name="Content Placeholder 3"/>
           <p:cNvSpPr>
             <a:spLocks noGrp="1"/>
           </p:cNvSpPr>
@@ -8938,7 +8941,7 @@
       </p:sp>
       <p:sp>
         <p:nvSpPr>
-          <p:cNvPr id="330631033" name="Content Placeholder 3"/>
+          <p:cNvPr id="646963121" name="Content Placeholder 3"/>
           <p:cNvSpPr>
             <a:spLocks noGrp="1"/>
           </p:cNvSpPr>
@@ -9155,7 +9158,7 @@
       </p:sp>
       <p:sp>
         <p:nvSpPr>
-          <p:cNvPr id="114724145" name="Text Placeholder 2"/>
+          <p:cNvPr id="461376014" name="Text Placeholder 2"/>
           <p:cNvSpPr>
             <a:spLocks noGrp="1"/>
           </p:cNvSpPr>
